--- a/DB/DB 1일차_ERD 연습문제.pptx
+++ b/DB/DB 1일차_ERD 연습문제.pptx
@@ -107,6 +107,11 @@
       </a:defRPr>
     </a:lvl9pPr>
   </p:defaultTextStyle>
+  <p:extLst>
+    <p:ext uri="{EFAFB233-063F-42B5-8137-9DF3F51BA10A}">
+      <p15:sldGuideLst xmlns:p15="http://schemas.microsoft.com/office/powerpoint/2012/main"/>
+    </p:ext>
+  </p:extLst>
 </p:presentation>
 </file>
 
@@ -241,7 +246,7 @@
           <a:p>
             <a:fld id="{F4C3A28A-16E5-408E-AF98-453A414F059B}" type="datetimeFigureOut">
               <a:rPr lang="ko-KR" altLang="en-US" smtClean="0"/>
-              <a:t>2022-05-30</a:t>
+              <a:t>2022-06-03</a:t>
             </a:fld>
             <a:endParaRPr lang="ko-KR" altLang="en-US"/>
           </a:p>
@@ -411,7 +416,7 @@
           <a:p>
             <a:fld id="{F4C3A28A-16E5-408E-AF98-453A414F059B}" type="datetimeFigureOut">
               <a:rPr lang="ko-KR" altLang="en-US" smtClean="0"/>
-              <a:t>2022-05-30</a:t>
+              <a:t>2022-06-03</a:t>
             </a:fld>
             <a:endParaRPr lang="ko-KR" altLang="en-US"/>
           </a:p>
@@ -591,7 +596,7 @@
           <a:p>
             <a:fld id="{F4C3A28A-16E5-408E-AF98-453A414F059B}" type="datetimeFigureOut">
               <a:rPr lang="ko-KR" altLang="en-US" smtClean="0"/>
-              <a:t>2022-05-30</a:t>
+              <a:t>2022-06-03</a:t>
             </a:fld>
             <a:endParaRPr lang="ko-KR" altLang="en-US"/>
           </a:p>
@@ -761,7 +766,7 @@
           <a:p>
             <a:fld id="{F4C3A28A-16E5-408E-AF98-453A414F059B}" type="datetimeFigureOut">
               <a:rPr lang="ko-KR" altLang="en-US" smtClean="0"/>
-              <a:t>2022-05-30</a:t>
+              <a:t>2022-06-03</a:t>
             </a:fld>
             <a:endParaRPr lang="ko-KR" altLang="en-US"/>
           </a:p>
@@ -1007,7 +1012,7 @@
           <a:p>
             <a:fld id="{F4C3A28A-16E5-408E-AF98-453A414F059B}" type="datetimeFigureOut">
               <a:rPr lang="ko-KR" altLang="en-US" smtClean="0"/>
-              <a:t>2022-05-30</a:t>
+              <a:t>2022-06-03</a:t>
             </a:fld>
             <a:endParaRPr lang="ko-KR" altLang="en-US"/>
           </a:p>
@@ -1239,7 +1244,7 @@
           <a:p>
             <a:fld id="{F4C3A28A-16E5-408E-AF98-453A414F059B}" type="datetimeFigureOut">
               <a:rPr lang="ko-KR" altLang="en-US" smtClean="0"/>
-              <a:t>2022-05-30</a:t>
+              <a:t>2022-06-03</a:t>
             </a:fld>
             <a:endParaRPr lang="ko-KR" altLang="en-US"/>
           </a:p>
@@ -1606,7 +1611,7 @@
           <a:p>
             <a:fld id="{F4C3A28A-16E5-408E-AF98-453A414F059B}" type="datetimeFigureOut">
               <a:rPr lang="ko-KR" altLang="en-US" smtClean="0"/>
-              <a:t>2022-05-30</a:t>
+              <a:t>2022-06-03</a:t>
             </a:fld>
             <a:endParaRPr lang="ko-KR" altLang="en-US"/>
           </a:p>
@@ -1724,7 +1729,7 @@
           <a:p>
             <a:fld id="{F4C3A28A-16E5-408E-AF98-453A414F059B}" type="datetimeFigureOut">
               <a:rPr lang="ko-KR" altLang="en-US" smtClean="0"/>
-              <a:t>2022-05-30</a:t>
+              <a:t>2022-06-03</a:t>
             </a:fld>
             <a:endParaRPr lang="ko-KR" altLang="en-US"/>
           </a:p>
@@ -1819,7 +1824,7 @@
           <a:p>
             <a:fld id="{F4C3A28A-16E5-408E-AF98-453A414F059B}" type="datetimeFigureOut">
               <a:rPr lang="ko-KR" altLang="en-US" smtClean="0"/>
-              <a:t>2022-05-30</a:t>
+              <a:t>2022-06-03</a:t>
             </a:fld>
             <a:endParaRPr lang="ko-KR" altLang="en-US"/>
           </a:p>
@@ -2096,7 +2101,7 @@
           <a:p>
             <a:fld id="{F4C3A28A-16E5-408E-AF98-453A414F059B}" type="datetimeFigureOut">
               <a:rPr lang="ko-KR" altLang="en-US" smtClean="0"/>
-              <a:t>2022-05-30</a:t>
+              <a:t>2022-06-03</a:t>
             </a:fld>
             <a:endParaRPr lang="ko-KR" altLang="en-US"/>
           </a:p>
@@ -2349,7 +2354,7 @@
           <a:p>
             <a:fld id="{F4C3A28A-16E5-408E-AF98-453A414F059B}" type="datetimeFigureOut">
               <a:rPr lang="ko-KR" altLang="en-US" smtClean="0"/>
-              <a:t>2022-05-30</a:t>
+              <a:t>2022-06-03</a:t>
             </a:fld>
             <a:endParaRPr lang="ko-KR" altLang="en-US"/>
           </a:p>
@@ -2562,7 +2567,7 @@
           <a:p>
             <a:fld id="{F4C3A28A-16E5-408E-AF98-453A414F059B}" type="datetimeFigureOut">
               <a:rPr lang="ko-KR" altLang="en-US" smtClean="0"/>
-              <a:t>2022-05-30</a:t>
+              <a:t>2022-06-03</a:t>
             </a:fld>
             <a:endParaRPr lang="ko-KR" altLang="en-US"/>
           </a:p>
@@ -5234,7 +5239,7 @@
         </p:nvSpPr>
         <p:spPr>
           <a:xfrm>
-            <a:off x="473529" y="604157"/>
+            <a:off x="400050" y="457200"/>
             <a:ext cx="1077685" cy="522514"/>
           </a:xfrm>
           <a:prstGeom prst="ellipse">
@@ -5278,7 +5283,7 @@
         </p:nvSpPr>
         <p:spPr>
           <a:xfrm>
-            <a:off x="473529" y="1330778"/>
+            <a:off x="465001" y="1159329"/>
             <a:ext cx="1077685" cy="522514"/>
           </a:xfrm>
           <a:prstGeom prst="ellipse">
@@ -5747,7 +5752,7 @@
           <a:p>
             <a:pPr algn="ctr"/>
             <a:r>
-              <a:rPr lang="ko-KR" altLang="en-US" smtClean="0"/>
+              <a:rPr lang="ko-KR" altLang="en-US" dirty="0" smtClean="0"/>
               <a:t>지도</a:t>
             </a:r>
             <a:endParaRPr lang="ko-KR" altLang="en-US" dirty="0"/>
@@ -6212,6 +6217,363 @@
               <a:rPr lang="en-US" altLang="ko-KR" dirty="0" smtClean="0"/>
               <a:t>(FK))</a:t>
             </a:r>
+          </a:p>
+        </p:txBody>
+      </p:sp>
+      <p:sp>
+        <p:nvSpPr>
+          <p:cNvPr id="24" name="타원 23"/>
+          <p:cNvSpPr/>
+          <p:nvPr/>
+        </p:nvSpPr>
+        <p:spPr>
+          <a:xfrm>
+            <a:off x="4523012" y="85727"/>
+            <a:ext cx="1077685" cy="522514"/>
+          </a:xfrm>
+          <a:prstGeom prst="ellipse">
+            <a:avLst/>
+          </a:prstGeom>
+        </p:spPr>
+        <p:style>
+          <a:lnRef idx="2">
+            <a:schemeClr val="accent1">
+              <a:shade val="50000"/>
+            </a:schemeClr>
+          </a:lnRef>
+          <a:fillRef idx="1">
+            <a:schemeClr val="accent1"/>
+          </a:fillRef>
+          <a:effectRef idx="0">
+            <a:schemeClr val="accent1"/>
+          </a:effectRef>
+          <a:fontRef idx="minor">
+            <a:schemeClr val="lt1"/>
+          </a:fontRef>
+        </p:style>
+        <p:txBody>
+          <a:bodyPr rtlCol="0" anchor="ctr"/>
+          <a:lstStyle/>
+          <a:p>
+            <a:pPr algn="ctr"/>
+            <a:r>
+              <a:rPr lang="ko-KR" altLang="en-US" dirty="0" smtClean="0"/>
+              <a:t>기말</a:t>
+            </a:r>
+            <a:endParaRPr lang="ko-KR" altLang="en-US" dirty="0"/>
+          </a:p>
+        </p:txBody>
+      </p:sp>
+      <p:sp>
+        <p:nvSpPr>
+          <p:cNvPr id="26" name="타원 25"/>
+          <p:cNvSpPr/>
+          <p:nvPr/>
+        </p:nvSpPr>
+        <p:spPr>
+          <a:xfrm>
+            <a:off x="5763988" y="85727"/>
+            <a:ext cx="1077685" cy="522514"/>
+          </a:xfrm>
+          <a:prstGeom prst="ellipse">
+            <a:avLst/>
+          </a:prstGeom>
+        </p:spPr>
+        <p:style>
+          <a:lnRef idx="2">
+            <a:schemeClr val="accent1">
+              <a:shade val="50000"/>
+            </a:schemeClr>
+          </a:lnRef>
+          <a:fillRef idx="1">
+            <a:schemeClr val="accent1"/>
+          </a:fillRef>
+          <a:effectRef idx="0">
+            <a:schemeClr val="accent1"/>
+          </a:effectRef>
+          <a:fontRef idx="minor">
+            <a:schemeClr val="lt1"/>
+          </a:fontRef>
+        </p:style>
+        <p:txBody>
+          <a:bodyPr rtlCol="0" anchor="ctr"/>
+          <a:lstStyle/>
+          <a:p>
+            <a:pPr algn="ctr"/>
+            <a:r>
+              <a:rPr lang="ko-KR" altLang="en-US" dirty="0" smtClean="0"/>
+              <a:t>과제</a:t>
+            </a:r>
+            <a:endParaRPr lang="ko-KR" altLang="en-US" dirty="0"/>
+          </a:p>
+        </p:txBody>
+      </p:sp>
+      <p:sp>
+        <p:nvSpPr>
+          <p:cNvPr id="28" name="타원 27"/>
+          <p:cNvSpPr/>
+          <p:nvPr/>
+        </p:nvSpPr>
+        <p:spPr>
+          <a:xfrm>
+            <a:off x="3200404" y="85727"/>
+            <a:ext cx="1077685" cy="522514"/>
+          </a:xfrm>
+          <a:prstGeom prst="ellipse">
+            <a:avLst/>
+          </a:prstGeom>
+        </p:spPr>
+        <p:style>
+          <a:lnRef idx="2">
+            <a:schemeClr val="accent1">
+              <a:shade val="50000"/>
+            </a:schemeClr>
+          </a:lnRef>
+          <a:fillRef idx="1">
+            <a:schemeClr val="accent1"/>
+          </a:fillRef>
+          <a:effectRef idx="0">
+            <a:schemeClr val="accent1"/>
+          </a:effectRef>
+          <a:fontRef idx="minor">
+            <a:schemeClr val="lt1"/>
+          </a:fontRef>
+        </p:style>
+        <p:txBody>
+          <a:bodyPr rtlCol="0" anchor="ctr"/>
+          <a:lstStyle/>
+          <a:p>
+            <a:pPr algn="ctr"/>
+            <a:r>
+              <a:rPr lang="ko-KR" altLang="en-US" dirty="0" smtClean="0"/>
+              <a:t>중간</a:t>
+            </a:r>
+            <a:endParaRPr lang="ko-KR" altLang="en-US" dirty="0"/>
+          </a:p>
+        </p:txBody>
+      </p:sp>
+      <p:sp>
+        <p:nvSpPr>
+          <p:cNvPr id="29" name="타원 28"/>
+          <p:cNvSpPr/>
+          <p:nvPr/>
+        </p:nvSpPr>
+        <p:spPr>
+          <a:xfrm>
+            <a:off x="7004963" y="85727"/>
+            <a:ext cx="1077685" cy="522514"/>
+          </a:xfrm>
+          <a:prstGeom prst="ellipse">
+            <a:avLst/>
+          </a:prstGeom>
+        </p:spPr>
+        <p:style>
+          <a:lnRef idx="2">
+            <a:schemeClr val="accent1">
+              <a:shade val="50000"/>
+            </a:schemeClr>
+          </a:lnRef>
+          <a:fillRef idx="1">
+            <a:schemeClr val="accent1"/>
+          </a:fillRef>
+          <a:effectRef idx="0">
+            <a:schemeClr val="accent1"/>
+          </a:effectRef>
+          <a:fontRef idx="minor">
+            <a:schemeClr val="lt1"/>
+          </a:fontRef>
+        </p:style>
+        <p:txBody>
+          <a:bodyPr rtlCol="0" anchor="ctr"/>
+          <a:lstStyle/>
+          <a:p>
+            <a:pPr algn="ctr"/>
+            <a:r>
+              <a:rPr lang="ko-KR" altLang="en-US" dirty="0" smtClean="0"/>
+              <a:t>출석</a:t>
+            </a:r>
+            <a:endParaRPr lang="ko-KR" altLang="en-US" dirty="0"/>
+          </a:p>
+        </p:txBody>
+      </p:sp>
+      <p:sp>
+        <p:nvSpPr>
+          <p:cNvPr id="30" name="타원 29"/>
+          <p:cNvSpPr/>
+          <p:nvPr/>
+        </p:nvSpPr>
+        <p:spPr>
+          <a:xfrm>
+            <a:off x="1959436" y="109198"/>
+            <a:ext cx="1077685" cy="522514"/>
+          </a:xfrm>
+          <a:prstGeom prst="ellipse">
+            <a:avLst/>
+          </a:prstGeom>
+        </p:spPr>
+        <p:style>
+          <a:lnRef idx="2">
+            <a:schemeClr val="accent1">
+              <a:shade val="50000"/>
+            </a:schemeClr>
+          </a:lnRef>
+          <a:fillRef idx="1">
+            <a:schemeClr val="accent1"/>
+          </a:fillRef>
+          <a:effectRef idx="0">
+            <a:schemeClr val="accent1"/>
+          </a:effectRef>
+          <a:fontRef idx="minor">
+            <a:schemeClr val="lt1"/>
+          </a:fontRef>
+        </p:style>
+        <p:txBody>
+          <a:bodyPr rtlCol="0" anchor="ctr"/>
+          <a:lstStyle/>
+          <a:p>
+            <a:pPr algn="ctr"/>
+            <a:r>
+              <a:rPr lang="ko-KR" altLang="en-US" dirty="0" smtClean="0"/>
+              <a:t>총점</a:t>
+            </a:r>
+            <a:endParaRPr lang="ko-KR" altLang="en-US" dirty="0"/>
+          </a:p>
+        </p:txBody>
+      </p:sp>
+      <p:sp>
+        <p:nvSpPr>
+          <p:cNvPr id="5" name="직사각형 4"/>
+          <p:cNvSpPr/>
+          <p:nvPr/>
+        </p:nvSpPr>
+        <p:spPr>
+          <a:xfrm>
+            <a:off x="1" y="0"/>
+            <a:ext cx="12192000" cy="6858000"/>
+          </a:xfrm>
+          <a:prstGeom prst="rect">
+            <a:avLst/>
+          </a:prstGeom>
+          <a:noFill/>
+        </p:spPr>
+        <p:style>
+          <a:lnRef idx="2">
+            <a:schemeClr val="accent2"/>
+          </a:lnRef>
+          <a:fillRef idx="1">
+            <a:schemeClr val="lt1"/>
+          </a:fillRef>
+          <a:effectRef idx="0">
+            <a:schemeClr val="accent2"/>
+          </a:effectRef>
+          <a:fontRef idx="minor">
+            <a:schemeClr val="dk1"/>
+          </a:fontRef>
+        </p:style>
+        <p:txBody>
+          <a:bodyPr rtlCol="0" anchor="ctr"/>
+          <a:lstStyle/>
+          <a:p>
+            <a:pPr algn="ctr"/>
+            <a:endParaRPr lang="ko-KR" altLang="en-US"/>
+          </a:p>
+        </p:txBody>
+      </p:sp>
+      <p:sp>
+        <p:nvSpPr>
+          <p:cNvPr id="6" name="TextBox 5"/>
+          <p:cNvSpPr txBox="1"/>
+          <p:nvPr/>
+        </p:nvSpPr>
+        <p:spPr>
+          <a:xfrm>
+            <a:off x="465001" y="4008664"/>
+            <a:ext cx="877163" cy="369332"/>
+          </a:xfrm>
+          <a:prstGeom prst="rect">
+            <a:avLst/>
+          </a:prstGeom>
+          <a:noFill/>
+        </p:spPr>
+        <p:txBody>
+          <a:bodyPr wrap="none" rtlCol="0">
+            <a:spAutoFit/>
+          </a:bodyPr>
+          <a:lstStyle/>
+          <a:p>
+            <a:r>
+              <a:rPr lang="ko-KR" altLang="en-US" smtClean="0">
+                <a:solidFill>
+                  <a:srgbClr val="FFC000"/>
+                </a:solidFill>
+              </a:rPr>
+              <a:t>대학생</a:t>
+            </a:r>
+            <a:endParaRPr lang="ko-KR" altLang="en-US">
+              <a:solidFill>
+                <a:srgbClr val="FFC000"/>
+              </a:solidFill>
+            </a:endParaRPr>
+          </a:p>
+        </p:txBody>
+      </p:sp>
+      <p:sp>
+        <p:nvSpPr>
+          <p:cNvPr id="13" name="TextBox 12"/>
+          <p:cNvSpPr txBox="1"/>
+          <p:nvPr/>
+        </p:nvSpPr>
+        <p:spPr>
+          <a:xfrm>
+            <a:off x="644979" y="2432957"/>
+            <a:ext cx="1451038" cy="369332"/>
+          </a:xfrm>
+          <a:prstGeom prst="rect">
+            <a:avLst/>
+          </a:prstGeom>
+          <a:noFill/>
+        </p:spPr>
+        <p:txBody>
+          <a:bodyPr wrap="none" rtlCol="0">
+            <a:spAutoFit/>
+          </a:bodyPr>
+          <a:lstStyle/>
+          <a:p>
+            <a:r>
+              <a:rPr lang="en-US" altLang="ko-KR" dirty="0" smtClean="0"/>
+              <a:t>2022160001</a:t>
+            </a:r>
+            <a:endParaRPr lang="ko-KR" altLang="en-US" dirty="0"/>
+          </a:p>
+        </p:txBody>
+      </p:sp>
+      <p:sp>
+        <p:nvSpPr>
+          <p:cNvPr id="17" name="TextBox 16"/>
+          <p:cNvSpPr txBox="1"/>
+          <p:nvPr/>
+        </p:nvSpPr>
+        <p:spPr>
+          <a:xfrm>
+            <a:off x="10107382" y="334736"/>
+            <a:ext cx="1047082" cy="369332"/>
+          </a:xfrm>
+          <a:prstGeom prst="rect">
+            <a:avLst/>
+          </a:prstGeom>
+          <a:noFill/>
+        </p:spPr>
+        <p:txBody>
+          <a:bodyPr wrap="none" rtlCol="0">
+            <a:spAutoFit/>
+          </a:bodyPr>
+          <a:lstStyle/>
+          <a:p>
+            <a:r>
+              <a:rPr lang="en-US" altLang="ko-KR" dirty="0" smtClean="0"/>
+              <a:t>MSC123</a:t>
+            </a:r>
+            <a:endParaRPr lang="ko-KR" altLang="en-US" dirty="0"/>
           </a:p>
         </p:txBody>
       </p:sp>
